--- a/Exemples_TP_Pedagogie/SLCI_TSI2.pptx
+++ b/Exemples_TP_Pedagogie/SLCI_TSI2.pptx
@@ -8,9 +8,10 @@
     <p:sldId id="256" r:id="rId2"/>
     <p:sldId id="258" r:id="rId3"/>
     <p:sldId id="257" r:id="rId4"/>
-    <p:sldId id="260" r:id="rId5"/>
-    <p:sldId id="259" r:id="rId6"/>
-    <p:sldId id="261" r:id="rId7"/>
+    <p:sldId id="262" r:id="rId5"/>
+    <p:sldId id="260" r:id="rId6"/>
+    <p:sldId id="259" r:id="rId7"/>
+    <p:sldId id="261" r:id="rId8"/>
   </p:sldIdLst>
   <p:sldSz cx="12192000" cy="6858000"/>
   <p:notesSz cx="6858000" cy="9144000"/>
@@ -259,7 +260,7 @@
           <a:p>
             <a:fld id="{CBAF2E16-AAC6-489D-827A-397FA9E2410B}" type="datetimeFigureOut">
               <a:rPr lang="fr-FR" smtClean="0"/>
-              <a:t>03/04/2023</a:t>
+              <a:t>05/04/2023</a:t>
             </a:fld>
             <a:endParaRPr lang="fr-FR"/>
           </a:p>
@@ -429,7 +430,7 @@
           <a:p>
             <a:fld id="{CBAF2E16-AAC6-489D-827A-397FA9E2410B}" type="datetimeFigureOut">
               <a:rPr lang="fr-FR" smtClean="0"/>
-              <a:t>03/04/2023</a:t>
+              <a:t>05/04/2023</a:t>
             </a:fld>
             <a:endParaRPr lang="fr-FR"/>
           </a:p>
@@ -609,7 +610,7 @@
           <a:p>
             <a:fld id="{CBAF2E16-AAC6-489D-827A-397FA9E2410B}" type="datetimeFigureOut">
               <a:rPr lang="fr-FR" smtClean="0"/>
-              <a:t>03/04/2023</a:t>
+              <a:t>05/04/2023</a:t>
             </a:fld>
             <a:endParaRPr lang="fr-FR"/>
           </a:p>
@@ -779,7 +780,7 @@
           <a:p>
             <a:fld id="{CBAF2E16-AAC6-489D-827A-397FA9E2410B}" type="datetimeFigureOut">
               <a:rPr lang="fr-FR" smtClean="0"/>
-              <a:t>03/04/2023</a:t>
+              <a:t>05/04/2023</a:t>
             </a:fld>
             <a:endParaRPr lang="fr-FR"/>
           </a:p>
@@ -1025,7 +1026,7 @@
           <a:p>
             <a:fld id="{CBAF2E16-AAC6-489D-827A-397FA9E2410B}" type="datetimeFigureOut">
               <a:rPr lang="fr-FR" smtClean="0"/>
-              <a:t>03/04/2023</a:t>
+              <a:t>05/04/2023</a:t>
             </a:fld>
             <a:endParaRPr lang="fr-FR"/>
           </a:p>
@@ -1257,7 +1258,7 @@
           <a:p>
             <a:fld id="{CBAF2E16-AAC6-489D-827A-397FA9E2410B}" type="datetimeFigureOut">
               <a:rPr lang="fr-FR" smtClean="0"/>
-              <a:t>03/04/2023</a:t>
+              <a:t>05/04/2023</a:t>
             </a:fld>
             <a:endParaRPr lang="fr-FR"/>
           </a:p>
@@ -1624,7 +1625,7 @@
           <a:p>
             <a:fld id="{CBAF2E16-AAC6-489D-827A-397FA9E2410B}" type="datetimeFigureOut">
               <a:rPr lang="fr-FR" smtClean="0"/>
-              <a:t>03/04/2023</a:t>
+              <a:t>05/04/2023</a:t>
             </a:fld>
             <a:endParaRPr lang="fr-FR"/>
           </a:p>
@@ -1742,7 +1743,7 @@
           <a:p>
             <a:fld id="{CBAF2E16-AAC6-489D-827A-397FA9E2410B}" type="datetimeFigureOut">
               <a:rPr lang="fr-FR" smtClean="0"/>
-              <a:t>03/04/2023</a:t>
+              <a:t>05/04/2023</a:t>
             </a:fld>
             <a:endParaRPr lang="fr-FR"/>
           </a:p>
@@ -1837,7 +1838,7 @@
           <a:p>
             <a:fld id="{CBAF2E16-AAC6-489D-827A-397FA9E2410B}" type="datetimeFigureOut">
               <a:rPr lang="fr-FR" smtClean="0"/>
-              <a:t>03/04/2023</a:t>
+              <a:t>05/04/2023</a:t>
             </a:fld>
             <a:endParaRPr lang="fr-FR"/>
           </a:p>
@@ -2114,7 +2115,7 @@
           <a:p>
             <a:fld id="{CBAF2E16-AAC6-489D-827A-397FA9E2410B}" type="datetimeFigureOut">
               <a:rPr lang="fr-FR" smtClean="0"/>
-              <a:t>03/04/2023</a:t>
+              <a:t>05/04/2023</a:t>
             </a:fld>
             <a:endParaRPr lang="fr-FR"/>
           </a:p>
@@ -2367,7 +2368,7 @@
           <a:p>
             <a:fld id="{CBAF2E16-AAC6-489D-827A-397FA9E2410B}" type="datetimeFigureOut">
               <a:rPr lang="fr-FR" smtClean="0"/>
-              <a:t>03/04/2023</a:t>
+              <a:t>05/04/2023</a:t>
             </a:fld>
             <a:endParaRPr lang="fr-FR"/>
           </a:p>
@@ -2580,7 +2581,7 @@
           <a:p>
             <a:fld id="{CBAF2E16-AAC6-489D-827A-397FA9E2410B}" type="datetimeFigureOut">
               <a:rPr lang="fr-FR" smtClean="0"/>
-              <a:t>03/04/2023</a:t>
+              <a:t>05/04/2023</a:t>
             </a:fld>
             <a:endParaRPr lang="fr-FR"/>
           </a:p>
@@ -3173,7 +3174,7 @@
         </p:nvSpPr>
         <p:spPr>
           <a:xfrm>
-            <a:off x="340658" y="519951"/>
+            <a:off x="358589" y="519951"/>
             <a:ext cx="2886635" cy="1219202"/>
           </a:xfrm>
           <a:prstGeom prst="roundRect">
@@ -3263,11 +3264,7 @@
             <a:pPr algn="ctr"/>
             <a:r>
               <a:rPr lang="fr-FR" dirty="0" smtClean="0"/>
-              <a:t>(3 semaines)</a:t>
-            </a:r>
-            <a:r>
-              <a:rPr lang="fr-FR" dirty="0" smtClean="0"/>
-              <a:t> </a:t>
+              <a:t>(3 semaines) </a:t>
             </a:r>
             <a:endParaRPr lang="fr-FR" dirty="0"/>
           </a:p>
@@ -3281,7 +3278,7 @@
         </p:nvSpPr>
         <p:spPr>
           <a:xfrm>
-            <a:off x="304798" y="2008089"/>
+            <a:off x="322729" y="2008089"/>
             <a:ext cx="2922494" cy="1219202"/>
           </a:xfrm>
           <a:prstGeom prst="roundRect">
@@ -3363,7 +3360,6 @@
               <a:rPr lang="fr-FR" dirty="0" smtClean="0"/>
               <a:t>(3 semaines)</a:t>
             </a:r>
-            <a:endParaRPr lang="fr-FR" dirty="0" smtClean="0"/>
           </a:p>
         </p:txBody>
       </p:sp>
@@ -3466,11 +3462,7 @@
             <a:pPr algn="ctr"/>
             <a:r>
               <a:rPr lang="fr-FR" dirty="0" smtClean="0"/>
-              <a:t>(2 semaines)</a:t>
-            </a:r>
-            <a:r>
-              <a:rPr lang="fr-FR" dirty="0" smtClean="0"/>
-              <a:t> </a:t>
+              <a:t>(2 semaines) </a:t>
             </a:r>
             <a:endParaRPr lang="fr-FR" dirty="0"/>
           </a:p>
@@ -3484,7 +3476,7 @@
         </p:nvSpPr>
         <p:spPr>
           <a:xfrm>
-            <a:off x="304798" y="3594846"/>
+            <a:off x="322729" y="3594846"/>
             <a:ext cx="2922494" cy="1219202"/>
           </a:xfrm>
           <a:prstGeom prst="roundRect">
@@ -3639,6 +3631,1083 @@
 </file>
 
 <file path=ppt/slides/slide4.xml><?xml version="1.0" encoding="utf-8"?>
+<p:sld xmlns:a="http://schemas.openxmlformats.org/drawingml/2006/main" xmlns:r="http://schemas.openxmlformats.org/officeDocument/2006/relationships" xmlns:p="http://schemas.openxmlformats.org/presentationml/2006/main">
+  <p:cSld>
+    <p:spTree>
+      <p:nvGrpSpPr>
+        <p:cNvPr id="1" name=""/>
+        <p:cNvGrpSpPr/>
+        <p:nvPr/>
+      </p:nvGrpSpPr>
+      <p:grpSpPr>
+        <a:xfrm>
+          <a:off x="0" y="0"/>
+          <a:ext cx="0" cy="0"/>
+          <a:chOff x="0" y="0"/>
+          <a:chExt cx="0" cy="0"/>
+        </a:xfrm>
+      </p:grpSpPr>
+      <p:sp>
+        <p:nvSpPr>
+          <p:cNvPr id="2" name="Titre 1"/>
+          <p:cNvSpPr>
+            <a:spLocks noGrp="1"/>
+          </p:cNvSpPr>
+          <p:nvPr>
+            <p:ph type="title"/>
+          </p:nvPr>
+        </p:nvSpPr>
+        <p:spPr>
+          <a:xfrm>
+            <a:off x="721659" y="-245321"/>
+            <a:ext cx="10515600" cy="1325563"/>
+          </a:xfrm>
+        </p:spPr>
+        <p:txBody>
+          <a:bodyPr/>
+          <a:lstStyle/>
+          <a:p>
+            <a:r>
+              <a:rPr lang="fr-FR" dirty="0" smtClean="0"/>
+              <a:t>Progression annuelle</a:t>
+            </a:r>
+            <a:endParaRPr lang="fr-FR" dirty="0"/>
+          </a:p>
+        </p:txBody>
+      </p:sp>
+      <p:sp>
+        <p:nvSpPr>
+          <p:cNvPr id="4" name="Rectangle à coins arrondis 3"/>
+          <p:cNvSpPr/>
+          <p:nvPr/>
+        </p:nvSpPr>
+        <p:spPr>
+          <a:xfrm>
+            <a:off x="358588" y="954736"/>
+            <a:ext cx="2682977" cy="546848"/>
+          </a:xfrm>
+          <a:prstGeom prst="roundRect">
+            <a:avLst/>
+          </a:prstGeom>
+        </p:spPr>
+        <p:style>
+          <a:lnRef idx="2">
+            <a:schemeClr val="accent1">
+              <a:shade val="50000"/>
+            </a:schemeClr>
+          </a:lnRef>
+          <a:fillRef idx="1">
+            <a:schemeClr val="accent1"/>
+          </a:fillRef>
+          <a:effectRef idx="0">
+            <a:schemeClr val="accent1"/>
+          </a:effectRef>
+          <a:fontRef idx="minor">
+            <a:schemeClr val="lt1"/>
+          </a:fontRef>
+        </p:style>
+        <p:txBody>
+          <a:bodyPr rtlCol="0" anchor="ctr"/>
+          <a:lstStyle/>
+          <a:p>
+            <a:pPr marL="342900" indent="-342900" algn="ctr">
+              <a:buAutoNum type="arabicPeriod"/>
+            </a:pPr>
+            <a:r>
+              <a:rPr lang="fr-FR" sz="1200" dirty="0" smtClean="0"/>
+              <a:t>Convertisseurs de puissance</a:t>
+            </a:r>
+          </a:p>
+          <a:p>
+            <a:pPr algn="ctr"/>
+            <a:r>
+              <a:rPr lang="fr-FR" sz="1200" dirty="0" smtClean="0"/>
+              <a:t>(4 semaines)</a:t>
+            </a:r>
+            <a:endParaRPr lang="fr-FR" sz="1200" dirty="0"/>
+          </a:p>
+        </p:txBody>
+      </p:sp>
+      <p:sp>
+        <p:nvSpPr>
+          <p:cNvPr id="5" name="Rectangle à coins arrondis 4"/>
+          <p:cNvSpPr/>
+          <p:nvPr/>
+        </p:nvSpPr>
+        <p:spPr>
+          <a:xfrm>
+            <a:off x="341923" y="1605798"/>
+            <a:ext cx="2716306" cy="546848"/>
+          </a:xfrm>
+          <a:prstGeom prst="roundRect">
+            <a:avLst/>
+          </a:prstGeom>
+        </p:spPr>
+        <p:style>
+          <a:lnRef idx="2">
+            <a:schemeClr val="accent1">
+              <a:shade val="50000"/>
+            </a:schemeClr>
+          </a:lnRef>
+          <a:fillRef idx="1">
+            <a:schemeClr val="accent1"/>
+          </a:fillRef>
+          <a:effectRef idx="0">
+            <a:schemeClr val="accent1"/>
+          </a:effectRef>
+          <a:fontRef idx="minor">
+            <a:schemeClr val="lt1"/>
+          </a:fontRef>
+        </p:style>
+        <p:txBody>
+          <a:bodyPr rtlCol="0" anchor="ctr"/>
+          <a:lstStyle/>
+          <a:p>
+            <a:pPr algn="ctr"/>
+            <a:r>
+              <a:rPr lang="fr-FR" sz="1200" dirty="0" smtClean="0"/>
+              <a:t>2. Convertisseurs (Machines synchrones)</a:t>
+            </a:r>
+          </a:p>
+          <a:p>
+            <a:pPr algn="ctr"/>
+            <a:r>
+              <a:rPr lang="fr-FR" sz="1200" dirty="0" smtClean="0"/>
+              <a:t>(3 semaines) </a:t>
+            </a:r>
+            <a:endParaRPr lang="fr-FR" sz="1200" dirty="0"/>
+          </a:p>
+        </p:txBody>
+      </p:sp>
+      <p:sp>
+        <p:nvSpPr>
+          <p:cNvPr id="6" name="Rectangle à coins arrondis 5"/>
+          <p:cNvSpPr/>
+          <p:nvPr/>
+        </p:nvSpPr>
+        <p:spPr>
+          <a:xfrm>
+            <a:off x="341923" y="2907922"/>
+            <a:ext cx="2716306" cy="546848"/>
+          </a:xfrm>
+          <a:prstGeom prst="roundRect">
+            <a:avLst/>
+          </a:prstGeom>
+        </p:spPr>
+        <p:style>
+          <a:lnRef idx="2">
+            <a:schemeClr val="accent1">
+              <a:shade val="50000"/>
+            </a:schemeClr>
+          </a:lnRef>
+          <a:fillRef idx="1">
+            <a:schemeClr val="accent1"/>
+          </a:fillRef>
+          <a:effectRef idx="0">
+            <a:schemeClr val="accent1"/>
+          </a:effectRef>
+          <a:fontRef idx="minor">
+            <a:schemeClr val="lt1"/>
+          </a:fontRef>
+        </p:style>
+        <p:txBody>
+          <a:bodyPr rtlCol="0" anchor="ctr"/>
+          <a:lstStyle/>
+          <a:p>
+            <a:pPr algn="ctr"/>
+            <a:r>
+              <a:rPr lang="fr-FR" sz="1200" dirty="0" smtClean="0"/>
+              <a:t>4. Modéliser un système multiphysique (Temporel et fréquentiel) (3 semaines)</a:t>
+            </a:r>
+          </a:p>
+        </p:txBody>
+      </p:sp>
+      <p:sp>
+        <p:nvSpPr>
+          <p:cNvPr id="7" name="Rectangle à coins arrondis 6"/>
+          <p:cNvSpPr/>
+          <p:nvPr/>
+        </p:nvSpPr>
+        <p:spPr>
+          <a:xfrm>
+            <a:off x="350256" y="3558984"/>
+            <a:ext cx="2699641" cy="546848"/>
+          </a:xfrm>
+          <a:prstGeom prst="roundRect">
+            <a:avLst/>
+          </a:prstGeom>
+        </p:spPr>
+        <p:style>
+          <a:lnRef idx="2">
+            <a:schemeClr val="accent1">
+              <a:shade val="50000"/>
+            </a:schemeClr>
+          </a:lnRef>
+          <a:fillRef idx="1">
+            <a:schemeClr val="accent1"/>
+          </a:fillRef>
+          <a:effectRef idx="0">
+            <a:schemeClr val="accent1"/>
+          </a:effectRef>
+          <a:fontRef idx="minor">
+            <a:schemeClr val="lt1"/>
+          </a:fontRef>
+        </p:style>
+        <p:txBody>
+          <a:bodyPr rtlCol="0" anchor="ctr"/>
+          <a:lstStyle/>
+          <a:p>
+            <a:pPr algn="ctr"/>
+            <a:r>
+              <a:rPr lang="fr-FR" sz="1200" dirty="0" smtClean="0"/>
+              <a:t>5. Détermination des performances</a:t>
+            </a:r>
+          </a:p>
+          <a:p>
+            <a:pPr algn="ctr"/>
+            <a:r>
+              <a:rPr lang="fr-FR" sz="1200" dirty="0" smtClean="0"/>
+              <a:t>(3 semaines)</a:t>
+            </a:r>
+          </a:p>
+        </p:txBody>
+      </p:sp>
+      <p:sp>
+        <p:nvSpPr>
+          <p:cNvPr id="8" name="Rectangle à coins arrondis 7"/>
+          <p:cNvSpPr/>
+          <p:nvPr/>
+        </p:nvSpPr>
+        <p:spPr>
+          <a:xfrm>
+            <a:off x="358588" y="4210046"/>
+            <a:ext cx="2682977" cy="546848"/>
+          </a:xfrm>
+          <a:prstGeom prst="roundRect">
+            <a:avLst/>
+          </a:prstGeom>
+        </p:spPr>
+        <p:style>
+          <a:lnRef idx="2">
+            <a:schemeClr val="accent1">
+              <a:shade val="50000"/>
+            </a:schemeClr>
+          </a:lnRef>
+          <a:fillRef idx="1">
+            <a:schemeClr val="accent1"/>
+          </a:fillRef>
+          <a:effectRef idx="0">
+            <a:schemeClr val="accent1"/>
+          </a:effectRef>
+          <a:fontRef idx="minor">
+            <a:schemeClr val="lt1"/>
+          </a:fontRef>
+        </p:style>
+        <p:txBody>
+          <a:bodyPr rtlCol="0" anchor="ctr"/>
+          <a:lstStyle/>
+          <a:p>
+            <a:pPr algn="ctr"/>
+            <a:r>
+              <a:rPr lang="fr-FR" sz="1200" dirty="0" smtClean="0"/>
+              <a:t>6. Correcteurs des SLCI</a:t>
+            </a:r>
+          </a:p>
+          <a:p>
+            <a:pPr algn="ctr"/>
+            <a:r>
+              <a:rPr lang="fr-FR" sz="1200" dirty="0" smtClean="0"/>
+              <a:t>(3 semaines)</a:t>
+            </a:r>
+          </a:p>
+        </p:txBody>
+      </p:sp>
+      <p:sp>
+        <p:nvSpPr>
+          <p:cNvPr id="9" name="Rectangle à coins arrondis 8"/>
+          <p:cNvSpPr/>
+          <p:nvPr/>
+        </p:nvSpPr>
+        <p:spPr>
+          <a:xfrm>
+            <a:off x="341923" y="2256860"/>
+            <a:ext cx="2716306" cy="546848"/>
+          </a:xfrm>
+          <a:prstGeom prst="roundRect">
+            <a:avLst/>
+          </a:prstGeom>
+        </p:spPr>
+        <p:style>
+          <a:lnRef idx="2">
+            <a:schemeClr val="accent1">
+              <a:shade val="50000"/>
+            </a:schemeClr>
+          </a:lnRef>
+          <a:fillRef idx="1">
+            <a:schemeClr val="accent1"/>
+          </a:fillRef>
+          <a:effectRef idx="0">
+            <a:schemeClr val="accent1"/>
+          </a:effectRef>
+          <a:fontRef idx="minor">
+            <a:schemeClr val="lt1"/>
+          </a:fontRef>
+        </p:style>
+        <p:txBody>
+          <a:bodyPr rtlCol="0" anchor="ctr"/>
+          <a:lstStyle/>
+          <a:p>
+            <a:pPr algn="ctr"/>
+            <a:r>
+              <a:rPr lang="fr-FR" sz="1200" dirty="0"/>
+              <a:t>3</a:t>
+            </a:r>
+            <a:r>
+              <a:rPr lang="fr-FR" sz="1200" dirty="0" smtClean="0"/>
+              <a:t>. Convertisseurs (Machines asynchrones)</a:t>
+            </a:r>
+          </a:p>
+          <a:p>
+            <a:pPr algn="ctr"/>
+            <a:r>
+              <a:rPr lang="fr-FR" sz="1200" dirty="0" smtClean="0"/>
+              <a:t>(2 semaines) </a:t>
+            </a:r>
+            <a:endParaRPr lang="fr-FR" sz="1200" dirty="0"/>
+          </a:p>
+        </p:txBody>
+      </p:sp>
+      <p:sp>
+        <p:nvSpPr>
+          <p:cNvPr id="10" name="Rectangle à coins arrondis 9"/>
+          <p:cNvSpPr/>
+          <p:nvPr/>
+        </p:nvSpPr>
+        <p:spPr>
+          <a:xfrm>
+            <a:off x="341923" y="5512170"/>
+            <a:ext cx="2716306" cy="546848"/>
+          </a:xfrm>
+          <a:prstGeom prst="roundRect">
+            <a:avLst/>
+          </a:prstGeom>
+        </p:spPr>
+        <p:style>
+          <a:lnRef idx="2">
+            <a:schemeClr val="accent1">
+              <a:shade val="50000"/>
+            </a:schemeClr>
+          </a:lnRef>
+          <a:fillRef idx="1">
+            <a:schemeClr val="accent1"/>
+          </a:fillRef>
+          <a:effectRef idx="0">
+            <a:schemeClr val="accent1"/>
+          </a:effectRef>
+          <a:fontRef idx="minor">
+            <a:schemeClr val="lt1"/>
+          </a:fontRef>
+        </p:style>
+        <p:txBody>
+          <a:bodyPr rtlCol="0" anchor="ctr"/>
+          <a:lstStyle/>
+          <a:p>
+            <a:pPr algn="ctr"/>
+            <a:r>
+              <a:rPr lang="fr-FR" sz="1200" dirty="0"/>
+              <a:t>8</a:t>
+            </a:r>
+            <a:r>
+              <a:rPr lang="fr-FR" sz="1200" dirty="0" smtClean="0"/>
+              <a:t>. </a:t>
+            </a:r>
+            <a:r>
+              <a:rPr lang="fr-FR" sz="1200" dirty="0" smtClean="0"/>
+              <a:t>Réseaux </a:t>
+            </a:r>
+          </a:p>
+          <a:p>
+            <a:pPr algn="ctr"/>
+            <a:r>
+              <a:rPr lang="fr-FR" sz="1200" dirty="0" smtClean="0"/>
+              <a:t>(2 semaines)</a:t>
+            </a:r>
+            <a:endParaRPr lang="fr-FR" sz="1200" dirty="0"/>
+          </a:p>
+        </p:txBody>
+      </p:sp>
+      <p:sp>
+        <p:nvSpPr>
+          <p:cNvPr id="11" name="Rectangle à coins arrondis 10"/>
+          <p:cNvSpPr/>
+          <p:nvPr/>
+        </p:nvSpPr>
+        <p:spPr>
+          <a:xfrm>
+            <a:off x="341923" y="4861108"/>
+            <a:ext cx="2716306" cy="546848"/>
+          </a:xfrm>
+          <a:prstGeom prst="roundRect">
+            <a:avLst/>
+          </a:prstGeom>
+        </p:spPr>
+        <p:style>
+          <a:lnRef idx="2">
+            <a:schemeClr val="accent1">
+              <a:shade val="50000"/>
+            </a:schemeClr>
+          </a:lnRef>
+          <a:fillRef idx="1">
+            <a:schemeClr val="accent1"/>
+          </a:fillRef>
+          <a:effectRef idx="0">
+            <a:schemeClr val="accent1"/>
+          </a:effectRef>
+          <a:fontRef idx="minor">
+            <a:schemeClr val="lt1"/>
+          </a:fontRef>
+        </p:style>
+        <p:txBody>
+          <a:bodyPr rtlCol="0" anchor="ctr"/>
+          <a:lstStyle/>
+          <a:p>
+            <a:pPr algn="ctr"/>
+            <a:r>
+              <a:rPr lang="fr-FR" sz="1200" dirty="0" smtClean="0"/>
+              <a:t>7. Réseaux </a:t>
+            </a:r>
+          </a:p>
+          <a:p>
+            <a:pPr algn="ctr"/>
+            <a:r>
+              <a:rPr lang="fr-FR" sz="1200" dirty="0" smtClean="0"/>
+              <a:t>(2 semaines)</a:t>
+            </a:r>
+          </a:p>
+          <a:p>
+            <a:pPr algn="ctr"/>
+            <a:endParaRPr lang="fr-FR" sz="1200" dirty="0"/>
+          </a:p>
+        </p:txBody>
+      </p:sp>
+      <p:sp>
+        <p:nvSpPr>
+          <p:cNvPr id="12" name="Rectangle à coins arrondis 11"/>
+          <p:cNvSpPr/>
+          <p:nvPr/>
+        </p:nvSpPr>
+        <p:spPr>
+          <a:xfrm>
+            <a:off x="341923" y="6163232"/>
+            <a:ext cx="2716306" cy="546848"/>
+          </a:xfrm>
+          <a:prstGeom prst="roundRect">
+            <a:avLst/>
+          </a:prstGeom>
+        </p:spPr>
+        <p:style>
+          <a:lnRef idx="2">
+            <a:schemeClr val="accent1">
+              <a:shade val="50000"/>
+            </a:schemeClr>
+          </a:lnRef>
+          <a:fillRef idx="1">
+            <a:schemeClr val="accent1"/>
+          </a:fillRef>
+          <a:effectRef idx="0">
+            <a:schemeClr val="accent1"/>
+          </a:effectRef>
+          <a:fontRef idx="minor">
+            <a:schemeClr val="lt1"/>
+          </a:fontRef>
+        </p:style>
+        <p:txBody>
+          <a:bodyPr rtlCol="0" anchor="ctr"/>
+          <a:lstStyle/>
+          <a:p>
+            <a:pPr algn="ctr"/>
+            <a:r>
+              <a:rPr lang="fr-FR" sz="1200" dirty="0" smtClean="0"/>
+              <a:t>Révisions (2 semaines)</a:t>
+            </a:r>
+            <a:endParaRPr lang="fr-FR" sz="1200" dirty="0"/>
+          </a:p>
+        </p:txBody>
+      </p:sp>
+      <p:sp>
+        <p:nvSpPr>
+          <p:cNvPr id="13" name="Rectangle à coins arrondis 12"/>
+          <p:cNvSpPr/>
+          <p:nvPr/>
+        </p:nvSpPr>
+        <p:spPr>
+          <a:xfrm>
+            <a:off x="3720353" y="954736"/>
+            <a:ext cx="2682977" cy="546848"/>
+          </a:xfrm>
+          <a:prstGeom prst="roundRect">
+            <a:avLst/>
+          </a:prstGeom>
+        </p:spPr>
+        <p:style>
+          <a:lnRef idx="2">
+            <a:schemeClr val="accent6">
+              <a:shade val="50000"/>
+            </a:schemeClr>
+          </a:lnRef>
+          <a:fillRef idx="1">
+            <a:schemeClr val="accent6"/>
+          </a:fillRef>
+          <a:effectRef idx="0">
+            <a:schemeClr val="accent6"/>
+          </a:effectRef>
+          <a:fontRef idx="minor">
+            <a:schemeClr val="lt1"/>
+          </a:fontRef>
+        </p:style>
+        <p:txBody>
+          <a:bodyPr rtlCol="0" anchor="ctr"/>
+          <a:lstStyle/>
+          <a:p>
+            <a:pPr marL="342900" indent="-342900" algn="ctr">
+              <a:buAutoNum type="arabicPeriod"/>
+            </a:pPr>
+            <a:r>
+              <a:rPr lang="fr-FR" sz="1200" dirty="0" smtClean="0"/>
+              <a:t>Approche dynamique</a:t>
+            </a:r>
+            <a:endParaRPr lang="fr-FR" sz="1200" dirty="0" smtClean="0"/>
+          </a:p>
+          <a:p>
+            <a:pPr algn="ctr"/>
+            <a:r>
+              <a:rPr lang="fr-FR" sz="1200" dirty="0" smtClean="0"/>
+              <a:t>(4 </a:t>
+            </a:r>
+            <a:r>
+              <a:rPr lang="fr-FR" sz="1200" dirty="0" smtClean="0"/>
+              <a:t>semaines)</a:t>
+            </a:r>
+            <a:endParaRPr lang="fr-FR" sz="1200" dirty="0"/>
+          </a:p>
+        </p:txBody>
+      </p:sp>
+      <p:sp>
+        <p:nvSpPr>
+          <p:cNvPr id="14" name="Rectangle à coins arrondis 13"/>
+          <p:cNvSpPr/>
+          <p:nvPr/>
+        </p:nvSpPr>
+        <p:spPr>
+          <a:xfrm>
+            <a:off x="3703688" y="1605798"/>
+            <a:ext cx="2716306" cy="546848"/>
+          </a:xfrm>
+          <a:prstGeom prst="roundRect">
+            <a:avLst/>
+          </a:prstGeom>
+        </p:spPr>
+        <p:style>
+          <a:lnRef idx="2">
+            <a:schemeClr val="accent6">
+              <a:shade val="50000"/>
+            </a:schemeClr>
+          </a:lnRef>
+          <a:fillRef idx="1">
+            <a:schemeClr val="accent6"/>
+          </a:fillRef>
+          <a:effectRef idx="0">
+            <a:schemeClr val="accent6"/>
+          </a:effectRef>
+          <a:fontRef idx="minor">
+            <a:schemeClr val="lt1"/>
+          </a:fontRef>
+        </p:style>
+        <p:txBody>
+          <a:bodyPr rtlCol="0" anchor="ctr"/>
+          <a:lstStyle/>
+          <a:p>
+            <a:pPr algn="ctr"/>
+            <a:r>
+              <a:rPr lang="fr-FR" sz="1200" dirty="0" smtClean="0"/>
+              <a:t>2. </a:t>
+            </a:r>
+            <a:r>
+              <a:rPr lang="fr-FR" sz="1200" dirty="0" smtClean="0"/>
+              <a:t>Approche énergétique</a:t>
+            </a:r>
+            <a:endParaRPr lang="fr-FR" sz="1200" dirty="0" smtClean="0"/>
+          </a:p>
+          <a:p>
+            <a:pPr algn="ctr"/>
+            <a:r>
+              <a:rPr lang="fr-FR" sz="1200" dirty="0" smtClean="0"/>
+              <a:t>(3 semaines) </a:t>
+            </a:r>
+            <a:endParaRPr lang="fr-FR" sz="1200" dirty="0"/>
+          </a:p>
+        </p:txBody>
+      </p:sp>
+      <p:sp>
+        <p:nvSpPr>
+          <p:cNvPr id="15" name="Rectangle à coins arrondis 14"/>
+          <p:cNvSpPr/>
+          <p:nvPr/>
+        </p:nvSpPr>
+        <p:spPr>
+          <a:xfrm>
+            <a:off x="3703688" y="2907922"/>
+            <a:ext cx="2716306" cy="546848"/>
+          </a:xfrm>
+          <a:prstGeom prst="roundRect">
+            <a:avLst/>
+          </a:prstGeom>
+        </p:spPr>
+        <p:style>
+          <a:lnRef idx="2">
+            <a:schemeClr val="accent6">
+              <a:shade val="50000"/>
+            </a:schemeClr>
+          </a:lnRef>
+          <a:fillRef idx="1">
+            <a:schemeClr val="accent6"/>
+          </a:fillRef>
+          <a:effectRef idx="0">
+            <a:schemeClr val="accent6"/>
+          </a:effectRef>
+          <a:fontRef idx="minor">
+            <a:schemeClr val="lt1"/>
+          </a:fontRef>
+        </p:style>
+        <p:txBody>
+          <a:bodyPr rtlCol="0" anchor="ctr"/>
+          <a:lstStyle/>
+          <a:p>
+            <a:pPr algn="ctr"/>
+            <a:r>
+              <a:rPr lang="fr-FR" sz="1200" dirty="0" smtClean="0"/>
+              <a:t>4. </a:t>
+            </a:r>
+            <a:r>
+              <a:rPr lang="fr-FR" sz="1200" dirty="0"/>
+              <a:t>Méthodologie Dynamique/Energétique </a:t>
+            </a:r>
+            <a:r>
+              <a:rPr lang="fr-FR" sz="1200" dirty="0" smtClean="0"/>
+              <a:t>(3 </a:t>
+            </a:r>
+            <a:r>
+              <a:rPr lang="fr-FR" sz="1200" dirty="0" smtClean="0"/>
+              <a:t>semaines)</a:t>
+            </a:r>
+          </a:p>
+        </p:txBody>
+      </p:sp>
+      <p:sp>
+        <p:nvSpPr>
+          <p:cNvPr id="16" name="Rectangle à coins arrondis 15"/>
+          <p:cNvSpPr/>
+          <p:nvPr/>
+        </p:nvSpPr>
+        <p:spPr>
+          <a:xfrm>
+            <a:off x="3712021" y="3558984"/>
+            <a:ext cx="2699641" cy="546848"/>
+          </a:xfrm>
+          <a:prstGeom prst="roundRect">
+            <a:avLst/>
+          </a:prstGeom>
+        </p:spPr>
+        <p:style>
+          <a:lnRef idx="2">
+            <a:schemeClr val="accent6">
+              <a:shade val="50000"/>
+            </a:schemeClr>
+          </a:lnRef>
+          <a:fillRef idx="1">
+            <a:schemeClr val="accent6"/>
+          </a:fillRef>
+          <a:effectRef idx="0">
+            <a:schemeClr val="accent6"/>
+          </a:effectRef>
+          <a:fontRef idx="minor">
+            <a:schemeClr val="lt1"/>
+          </a:fontRef>
+        </p:style>
+        <p:txBody>
+          <a:bodyPr rtlCol="0" anchor="ctr"/>
+          <a:lstStyle/>
+          <a:p>
+            <a:pPr algn="ctr"/>
+            <a:r>
+              <a:rPr lang="fr-FR" sz="1200" dirty="0" smtClean="0"/>
+              <a:t>5. </a:t>
+            </a:r>
+            <a:r>
+              <a:rPr lang="fr-FR" sz="1200" dirty="0" err="1" smtClean="0"/>
+              <a:t>RdM</a:t>
+            </a:r>
+            <a:endParaRPr lang="fr-FR" sz="1200" dirty="0" smtClean="0"/>
+          </a:p>
+          <a:p>
+            <a:pPr algn="ctr"/>
+            <a:r>
+              <a:rPr lang="fr-FR" sz="1200" dirty="0" smtClean="0"/>
+              <a:t>(3 semaines)</a:t>
+            </a:r>
+          </a:p>
+        </p:txBody>
+      </p:sp>
+      <p:sp>
+        <p:nvSpPr>
+          <p:cNvPr id="17" name="Rectangle à coins arrondis 16"/>
+          <p:cNvSpPr/>
+          <p:nvPr/>
+        </p:nvSpPr>
+        <p:spPr>
+          <a:xfrm>
+            <a:off x="3720353" y="4210046"/>
+            <a:ext cx="2682977" cy="546848"/>
+          </a:xfrm>
+          <a:prstGeom prst="roundRect">
+            <a:avLst/>
+          </a:prstGeom>
+        </p:spPr>
+        <p:style>
+          <a:lnRef idx="2">
+            <a:schemeClr val="accent6">
+              <a:shade val="50000"/>
+            </a:schemeClr>
+          </a:lnRef>
+          <a:fillRef idx="1">
+            <a:schemeClr val="accent6"/>
+          </a:fillRef>
+          <a:effectRef idx="0">
+            <a:schemeClr val="accent6"/>
+          </a:effectRef>
+          <a:fontRef idx="minor">
+            <a:schemeClr val="lt1"/>
+          </a:fontRef>
+        </p:style>
+        <p:txBody>
+          <a:bodyPr rtlCol="0" anchor="ctr"/>
+          <a:lstStyle/>
+          <a:p>
+            <a:pPr algn="ctr"/>
+            <a:r>
+              <a:rPr lang="fr-FR" sz="1200" dirty="0" smtClean="0"/>
+              <a:t>6. </a:t>
+            </a:r>
+            <a:r>
+              <a:rPr lang="fr-FR" sz="1200" dirty="0"/>
+              <a:t>. </a:t>
+            </a:r>
+            <a:r>
+              <a:rPr lang="fr-FR" sz="1200" dirty="0" err="1"/>
+              <a:t>RdM</a:t>
+            </a:r>
+            <a:r>
+              <a:rPr lang="fr-FR" sz="1200" dirty="0"/>
+              <a:t> </a:t>
+            </a:r>
+            <a:endParaRPr lang="fr-FR" sz="1200" dirty="0" smtClean="0"/>
+          </a:p>
+          <a:p>
+            <a:pPr algn="ctr"/>
+            <a:r>
+              <a:rPr lang="fr-FR" sz="1200" dirty="0" smtClean="0"/>
+              <a:t>(3 semaines)</a:t>
+            </a:r>
+          </a:p>
+        </p:txBody>
+      </p:sp>
+      <p:sp>
+        <p:nvSpPr>
+          <p:cNvPr id="18" name="Rectangle à coins arrondis 17"/>
+          <p:cNvSpPr/>
+          <p:nvPr/>
+        </p:nvSpPr>
+        <p:spPr>
+          <a:xfrm>
+            <a:off x="3703688" y="2256860"/>
+            <a:ext cx="2716306" cy="546848"/>
+          </a:xfrm>
+          <a:prstGeom prst="roundRect">
+            <a:avLst/>
+          </a:prstGeom>
+        </p:spPr>
+        <p:style>
+          <a:lnRef idx="2">
+            <a:schemeClr val="accent6">
+              <a:shade val="50000"/>
+            </a:schemeClr>
+          </a:lnRef>
+          <a:fillRef idx="1">
+            <a:schemeClr val="accent6"/>
+          </a:fillRef>
+          <a:effectRef idx="0">
+            <a:schemeClr val="accent6"/>
+          </a:effectRef>
+          <a:fontRef idx="minor">
+            <a:schemeClr val="lt1"/>
+          </a:fontRef>
+        </p:style>
+        <p:txBody>
+          <a:bodyPr rtlCol="0" anchor="ctr"/>
+          <a:lstStyle/>
+          <a:p>
+            <a:pPr algn="ctr"/>
+            <a:r>
+              <a:rPr lang="fr-FR" sz="1200" dirty="0"/>
+              <a:t>3</a:t>
+            </a:r>
+            <a:r>
+              <a:rPr lang="fr-FR" sz="1200" dirty="0" smtClean="0"/>
+              <a:t>. </a:t>
+            </a:r>
+            <a:r>
+              <a:rPr lang="fr-FR" sz="1200" dirty="0"/>
+              <a:t>Caractéristiques des </a:t>
+            </a:r>
+            <a:r>
+              <a:rPr lang="fr-FR" sz="1200" dirty="0" smtClean="0"/>
+              <a:t>matériaux</a:t>
+            </a:r>
+            <a:endParaRPr lang="fr-FR" sz="1200" dirty="0" smtClean="0"/>
+          </a:p>
+          <a:p>
+            <a:pPr algn="ctr"/>
+            <a:r>
+              <a:rPr lang="fr-FR" sz="1200" dirty="0" smtClean="0"/>
+              <a:t>(2 semaines) </a:t>
+            </a:r>
+            <a:endParaRPr lang="fr-FR" sz="1200" dirty="0"/>
+          </a:p>
+        </p:txBody>
+      </p:sp>
+      <p:sp>
+        <p:nvSpPr>
+          <p:cNvPr id="19" name="Rectangle à coins arrondis 18"/>
+          <p:cNvSpPr/>
+          <p:nvPr/>
+        </p:nvSpPr>
+        <p:spPr>
+          <a:xfrm>
+            <a:off x="3703688" y="5512170"/>
+            <a:ext cx="2716306" cy="546848"/>
+          </a:xfrm>
+          <a:prstGeom prst="roundRect">
+            <a:avLst/>
+          </a:prstGeom>
+        </p:spPr>
+        <p:style>
+          <a:lnRef idx="2">
+            <a:schemeClr val="accent6">
+              <a:shade val="50000"/>
+            </a:schemeClr>
+          </a:lnRef>
+          <a:fillRef idx="1">
+            <a:schemeClr val="accent6"/>
+          </a:fillRef>
+          <a:effectRef idx="0">
+            <a:schemeClr val="accent6"/>
+          </a:effectRef>
+          <a:fontRef idx="minor">
+            <a:schemeClr val="lt1"/>
+          </a:fontRef>
+        </p:style>
+        <p:txBody>
+          <a:bodyPr rtlCol="0" anchor="ctr"/>
+          <a:lstStyle/>
+          <a:p>
+            <a:pPr algn="ctr"/>
+            <a:r>
+              <a:rPr lang="fr-FR" sz="1200" dirty="0"/>
+              <a:t>8</a:t>
+            </a:r>
+            <a:r>
+              <a:rPr lang="fr-FR" sz="1200" dirty="0" smtClean="0"/>
+              <a:t>. MMT</a:t>
+            </a:r>
+            <a:endParaRPr lang="fr-FR" sz="1200" dirty="0" smtClean="0"/>
+          </a:p>
+          <a:p>
+            <a:pPr algn="ctr"/>
+            <a:r>
+              <a:rPr lang="fr-FR" sz="1200" dirty="0" smtClean="0"/>
+              <a:t>(2 semaines)</a:t>
+            </a:r>
+            <a:endParaRPr lang="fr-FR" sz="1200" dirty="0"/>
+          </a:p>
+        </p:txBody>
+      </p:sp>
+      <p:sp>
+        <p:nvSpPr>
+          <p:cNvPr id="20" name="Rectangle à coins arrondis 19"/>
+          <p:cNvSpPr/>
+          <p:nvPr/>
+        </p:nvSpPr>
+        <p:spPr>
+          <a:xfrm>
+            <a:off x="3703688" y="4861108"/>
+            <a:ext cx="2716306" cy="546848"/>
+          </a:xfrm>
+          <a:prstGeom prst="roundRect">
+            <a:avLst/>
+          </a:prstGeom>
+        </p:spPr>
+        <p:style>
+          <a:lnRef idx="2">
+            <a:schemeClr val="accent6">
+              <a:shade val="50000"/>
+            </a:schemeClr>
+          </a:lnRef>
+          <a:fillRef idx="1">
+            <a:schemeClr val="accent6"/>
+          </a:fillRef>
+          <a:effectRef idx="0">
+            <a:schemeClr val="accent6"/>
+          </a:effectRef>
+          <a:fontRef idx="minor">
+            <a:schemeClr val="lt1"/>
+          </a:fontRef>
+        </p:style>
+        <p:txBody>
+          <a:bodyPr rtlCol="0" anchor="ctr"/>
+          <a:lstStyle/>
+          <a:p>
+            <a:pPr algn="ctr"/>
+            <a:r>
+              <a:rPr lang="fr-FR" sz="1200" dirty="0" smtClean="0"/>
+              <a:t>7. </a:t>
+            </a:r>
+            <a:r>
+              <a:rPr lang="fr-FR" sz="1200" dirty="0"/>
+              <a:t>Cotation </a:t>
+            </a:r>
+            <a:r>
+              <a:rPr lang="fr-FR" sz="1200" dirty="0" smtClean="0"/>
+              <a:t>GPS</a:t>
+            </a:r>
+            <a:endParaRPr lang="fr-FR" sz="1200" dirty="0" smtClean="0"/>
+          </a:p>
+          <a:p>
+            <a:pPr algn="ctr"/>
+            <a:r>
+              <a:rPr lang="fr-FR" sz="1200" dirty="0" smtClean="0"/>
+              <a:t>(2 semaines)</a:t>
+            </a:r>
+          </a:p>
+          <a:p>
+            <a:pPr algn="ctr"/>
+            <a:endParaRPr lang="fr-FR" sz="1200" dirty="0"/>
+          </a:p>
+        </p:txBody>
+      </p:sp>
+      <p:sp>
+        <p:nvSpPr>
+          <p:cNvPr id="21" name="Rectangle à coins arrondis 20"/>
+          <p:cNvSpPr/>
+          <p:nvPr/>
+        </p:nvSpPr>
+        <p:spPr>
+          <a:xfrm>
+            <a:off x="3703688" y="6163232"/>
+            <a:ext cx="2716306" cy="546848"/>
+          </a:xfrm>
+          <a:prstGeom prst="roundRect">
+            <a:avLst/>
+          </a:prstGeom>
+        </p:spPr>
+        <p:style>
+          <a:lnRef idx="2">
+            <a:schemeClr val="accent6">
+              <a:shade val="50000"/>
+            </a:schemeClr>
+          </a:lnRef>
+          <a:fillRef idx="1">
+            <a:schemeClr val="accent6"/>
+          </a:fillRef>
+          <a:effectRef idx="0">
+            <a:schemeClr val="accent6"/>
+          </a:effectRef>
+          <a:fontRef idx="minor">
+            <a:schemeClr val="lt1"/>
+          </a:fontRef>
+        </p:style>
+        <p:txBody>
+          <a:bodyPr rtlCol="0" anchor="ctr"/>
+          <a:lstStyle/>
+          <a:p>
+            <a:pPr algn="ctr"/>
+            <a:r>
+              <a:rPr lang="fr-FR" sz="1200" dirty="0" smtClean="0"/>
+              <a:t>Révisions (2 semaines)</a:t>
+            </a:r>
+            <a:endParaRPr lang="fr-FR" sz="1200" dirty="0"/>
+          </a:p>
+        </p:txBody>
+      </p:sp>
+      <p:sp>
+        <p:nvSpPr>
+          <p:cNvPr id="22" name="Rectangle à coins arrondis 21"/>
+          <p:cNvSpPr/>
+          <p:nvPr/>
+        </p:nvSpPr>
+        <p:spPr>
+          <a:xfrm>
+            <a:off x="341922" y="2803708"/>
+            <a:ext cx="6354153" cy="651062"/>
+          </a:xfrm>
+          <a:prstGeom prst="roundRect">
+            <a:avLst/>
+          </a:prstGeom>
+          <a:noFill/>
+          <a:ln w="38100">
+            <a:solidFill>
+              <a:srgbClr val="FF0000"/>
+            </a:solidFill>
+          </a:ln>
+        </p:spPr>
+        <p:style>
+          <a:lnRef idx="2">
+            <a:schemeClr val="accent1">
+              <a:shade val="50000"/>
+            </a:schemeClr>
+          </a:lnRef>
+          <a:fillRef idx="1">
+            <a:schemeClr val="accent1"/>
+          </a:fillRef>
+          <a:effectRef idx="0">
+            <a:schemeClr val="accent1"/>
+          </a:effectRef>
+          <a:fontRef idx="minor">
+            <a:schemeClr val="lt1"/>
+          </a:fontRef>
+        </p:style>
+        <p:txBody>
+          <a:bodyPr rtlCol="0" anchor="ctr"/>
+          <a:lstStyle/>
+          <a:p>
+            <a:pPr algn="ctr"/>
+            <a:endParaRPr lang="fr-FR"/>
+          </a:p>
+        </p:txBody>
+      </p:sp>
+    </p:spTree>
+    <p:extLst>
+      <p:ext uri="{BB962C8B-B14F-4D97-AF65-F5344CB8AC3E}">
+        <p14:creationId xmlns:p14="http://schemas.microsoft.com/office/powerpoint/2010/main" val="1469610235"/>
+      </p:ext>
+    </p:extLst>
+  </p:cSld>
+  <p:clrMapOvr>
+    <a:masterClrMapping/>
+  </p:clrMapOvr>
+</p:sld>
+</file>
+
+<file path=ppt/slides/slide5.xml><?xml version="1.0" encoding="utf-8"?>
 <p:sld xmlns:a="http://schemas.openxmlformats.org/drawingml/2006/main" xmlns:r="http://schemas.openxmlformats.org/officeDocument/2006/relationships" xmlns:p="http://schemas.openxmlformats.org/presentationml/2006/main">
   <p:cSld>
     <p:spTree>
@@ -3784,7 +4853,7 @@
 </p:sld>
 </file>
 
-<file path=ppt/slides/slide5.xml><?xml version="1.0" encoding="utf-8"?>
+<file path=ppt/slides/slide6.xml><?xml version="1.0" encoding="utf-8"?>
 <p:sld xmlns:a="http://schemas.openxmlformats.org/drawingml/2006/main" xmlns:r="http://schemas.openxmlformats.org/officeDocument/2006/relationships" xmlns:p="http://schemas.openxmlformats.org/presentationml/2006/main">
   <p:cSld>
     <p:spTree>
@@ -9055,7 +10124,7 @@
 </p:sld>
 </file>
 
-<file path=ppt/slides/slide6.xml><?xml version="1.0" encoding="utf-8"?>
+<file path=ppt/slides/slide7.xml><?xml version="1.0" encoding="utf-8"?>
 <p:sld xmlns:a="http://schemas.openxmlformats.org/drawingml/2006/main" xmlns:r="http://schemas.openxmlformats.org/officeDocument/2006/relationships" xmlns:p="http://schemas.openxmlformats.org/presentationml/2006/main">
   <p:cSld>
     <p:spTree>
@@ -14369,7 +15438,7 @@
         </p:nvSpPr>
         <p:spPr>
           <a:xfrm>
-            <a:off x="442394" y="4441518"/>
+            <a:off x="3540497" y="3764475"/>
             <a:ext cx="2905125" cy="1569660"/>
           </a:xfrm>
           <a:prstGeom prst="rect">
